--- a/Pen Testing Cloud REST APIs - BSidesSATX2022.pptx
+++ b/Pen Testing Cloud REST APIs - BSidesSATX2022.pptx
@@ -15442,7 +15442,7 @@
             </a:pPr>
             <a:r>
               <a:rPr lang="en" sz="1700"/>
-              <a:t>BSidesSATX2022-workshop</a:t>
+              <a:t>BSidesSATX2022-API-Workshop  /  Editor8-Accent-Basin</a:t>
             </a:r>
             <a:endParaRPr sz="1700"/>
           </a:p>
